--- a/CBP專案/帳單API/帳單API_part3_銷帳.pptx
+++ b/CBP專案/帳單API/帳單API_part3_銷帳.pptx
@@ -261,7 +261,7 @@
           <a:p>
             <a:fld id="{D882F09B-2FF2-4A31-9A00-F30A5D9C7621}" type="datetimeFigureOut">
               <a:rPr lang="zh-TW" altLang="en-US" smtClean="0"/>
-              <a:t>2023/3/25</a:t>
+              <a:t>2023/3/27</a:t>
             </a:fld>
             <a:endParaRPr lang="zh-TW" altLang="en-US"/>
           </a:p>
@@ -459,7 +459,7 @@
           <a:p>
             <a:fld id="{D882F09B-2FF2-4A31-9A00-F30A5D9C7621}" type="datetimeFigureOut">
               <a:rPr lang="zh-TW" altLang="en-US" smtClean="0"/>
-              <a:t>2023/3/25</a:t>
+              <a:t>2023/3/27</a:t>
             </a:fld>
             <a:endParaRPr lang="zh-TW" altLang="en-US"/>
           </a:p>
@@ -667,7 +667,7 @@
           <a:p>
             <a:fld id="{D882F09B-2FF2-4A31-9A00-F30A5D9C7621}" type="datetimeFigureOut">
               <a:rPr lang="zh-TW" altLang="en-US" smtClean="0"/>
-              <a:t>2023/3/25</a:t>
+              <a:t>2023/3/27</a:t>
             </a:fld>
             <a:endParaRPr lang="zh-TW" altLang="en-US"/>
           </a:p>
@@ -865,7 +865,7 @@
           <a:p>
             <a:fld id="{D882F09B-2FF2-4A31-9A00-F30A5D9C7621}" type="datetimeFigureOut">
               <a:rPr lang="zh-TW" altLang="en-US" smtClean="0"/>
-              <a:t>2023/3/25</a:t>
+              <a:t>2023/3/27</a:t>
             </a:fld>
             <a:endParaRPr lang="zh-TW" altLang="en-US"/>
           </a:p>
@@ -1140,7 +1140,7 @@
           <a:p>
             <a:fld id="{D882F09B-2FF2-4A31-9A00-F30A5D9C7621}" type="datetimeFigureOut">
               <a:rPr lang="zh-TW" altLang="en-US" smtClean="0"/>
-              <a:t>2023/3/25</a:t>
+              <a:t>2023/3/27</a:t>
             </a:fld>
             <a:endParaRPr lang="zh-TW" altLang="en-US"/>
           </a:p>
@@ -1405,7 +1405,7 @@
           <a:p>
             <a:fld id="{D882F09B-2FF2-4A31-9A00-F30A5D9C7621}" type="datetimeFigureOut">
               <a:rPr lang="zh-TW" altLang="en-US" smtClean="0"/>
-              <a:t>2023/3/25</a:t>
+              <a:t>2023/3/27</a:t>
             </a:fld>
             <a:endParaRPr lang="zh-TW" altLang="en-US"/>
           </a:p>
@@ -1817,7 +1817,7 @@
           <a:p>
             <a:fld id="{D882F09B-2FF2-4A31-9A00-F30A5D9C7621}" type="datetimeFigureOut">
               <a:rPr lang="zh-TW" altLang="en-US" smtClean="0"/>
-              <a:t>2023/3/25</a:t>
+              <a:t>2023/3/27</a:t>
             </a:fld>
             <a:endParaRPr lang="zh-TW" altLang="en-US"/>
           </a:p>
@@ -1958,7 +1958,7 @@
           <a:p>
             <a:fld id="{D882F09B-2FF2-4A31-9A00-F30A5D9C7621}" type="datetimeFigureOut">
               <a:rPr lang="zh-TW" altLang="en-US" smtClean="0"/>
-              <a:t>2023/3/25</a:t>
+              <a:t>2023/3/27</a:t>
             </a:fld>
             <a:endParaRPr lang="zh-TW" altLang="en-US"/>
           </a:p>
@@ -2071,7 +2071,7 @@
           <a:p>
             <a:fld id="{D882F09B-2FF2-4A31-9A00-F30A5D9C7621}" type="datetimeFigureOut">
               <a:rPr lang="zh-TW" altLang="en-US" smtClean="0"/>
-              <a:t>2023/3/25</a:t>
+              <a:t>2023/3/27</a:t>
             </a:fld>
             <a:endParaRPr lang="zh-TW" altLang="en-US"/>
           </a:p>
@@ -2382,7 +2382,7 @@
           <a:p>
             <a:fld id="{D882F09B-2FF2-4A31-9A00-F30A5D9C7621}" type="datetimeFigureOut">
               <a:rPr lang="zh-TW" altLang="en-US" smtClean="0"/>
-              <a:t>2023/3/25</a:t>
+              <a:t>2023/3/27</a:t>
             </a:fld>
             <a:endParaRPr lang="zh-TW" altLang="en-US"/>
           </a:p>
@@ -2670,7 +2670,7 @@
           <a:p>
             <a:fld id="{D882F09B-2FF2-4A31-9A00-F30A5D9C7621}" type="datetimeFigureOut">
               <a:rPr lang="zh-TW" altLang="en-US" smtClean="0"/>
-              <a:t>2023/3/25</a:t>
+              <a:t>2023/3/27</a:t>
             </a:fld>
             <a:endParaRPr lang="zh-TW" altLang="en-US"/>
           </a:p>
@@ -2911,7 +2911,7 @@
           <a:p>
             <a:fld id="{D882F09B-2FF2-4A31-9A00-F30A5D9C7621}" type="datetimeFigureOut">
               <a:rPr lang="zh-TW" altLang="en-US" smtClean="0"/>
-              <a:t>2023/3/25</a:t>
+              <a:t>2023/3/27</a:t>
             </a:fld>
             <a:endParaRPr lang="zh-TW" altLang="en-US"/>
           </a:p>
@@ -4181,14 +4181,14 @@
           <p:nvPr>
             <p:extLst>
               <p:ext uri="{D42A27DB-BD31-4B8C-83A1-F6EECF244321}">
-                <p14:modId xmlns:p14="http://schemas.microsoft.com/office/powerpoint/2010/main" val="3934949901"/>
+                <p14:modId xmlns:p14="http://schemas.microsoft.com/office/powerpoint/2010/main" val="1064194338"/>
               </p:ext>
             </p:extLst>
           </p:nvPr>
         </p:nvGraphicFramePr>
         <p:xfrm>
           <a:off x="0" y="532426"/>
-          <a:ext cx="5751470" cy="4920135"/>
+          <a:ext cx="5751470" cy="4737255"/>
         </p:xfrm>
         <a:graphic>
           <a:graphicData uri="http://schemas.openxmlformats.org/drawingml/2006/table">
@@ -7734,7 +7734,7 @@
                         <a:defRPr/>
                       </a:pPr>
                       <a:r>
-                        <a:rPr kumimoji="0" lang="en-US" altLang="zh-TW" sz="1000" b="0" i="0" u="none" strike="noStrike" cap="none" spc="0" normalizeH="0" baseline="0" dirty="0">
+                        <a:rPr kumimoji="0" lang="en-US" altLang="zh-TW" sz="800" b="0" i="0" u="none" strike="noStrike" cap="none" spc="0" normalizeH="0" baseline="0" dirty="0">
                           <a:ln>
                             <a:noFill/>
                           </a:ln>
@@ -7751,7 +7751,7 @@
                         <a:t>INITIAL(</a:t>
                       </a:r>
                       <a:r>
-                        <a:rPr kumimoji="0" lang="zh-TW" altLang="en-US" sz="1000" b="0" i="0" u="none" strike="noStrike" cap="none" spc="0" normalizeH="0" baseline="0" dirty="0">
+                        <a:rPr kumimoji="0" lang="zh-TW" altLang="en-US" sz="800" b="0" i="0" u="none" strike="noStrike" cap="none" spc="0" normalizeH="0" baseline="0" dirty="0">
                           <a:ln>
                             <a:noFill/>
                           </a:ln>
@@ -7768,7 +7768,7 @@
                         <a:t>起始狀態</a:t>
                       </a:r>
                       <a:r>
-                        <a:rPr kumimoji="0" lang="en-US" altLang="zh-TW" sz="1000" b="0" i="0" u="none" strike="noStrike" cap="none" spc="0" normalizeH="0" baseline="0" dirty="0">
+                        <a:rPr kumimoji="0" lang="en-US" altLang="zh-TW" sz="800" b="0" i="0" u="none" strike="noStrike" cap="none" spc="0" normalizeH="0" baseline="0" dirty="0">
                           <a:ln>
                             <a:noFill/>
                           </a:ln>
@@ -7784,8 +7784,27 @@
                         </a:rPr>
                         <a:t>) </a:t>
                       </a:r>
-                      <a:r>
-                        <a:rPr lang="en-US" altLang="zh-TW" sz="1000" dirty="0">
+                    </a:p>
+                    <a:p>
+                      <a:pPr marL="0" marR="0" lvl="0" indent="0" algn="l" defTabSz="685800" rtl="0" eaLnBrk="1" fontAlgn="ctr" latinLnBrk="0" hangingPunct="1">
+                        <a:lnSpc>
+                          <a:spcPct val="100000"/>
+                        </a:lnSpc>
+                        <a:spcBef>
+                          <a:spcPct val="0"/>
+                        </a:spcBef>
+                        <a:spcAft>
+                          <a:spcPct val="0"/>
+                        </a:spcAft>
+                        <a:buClrTx/>
+                        <a:buSzTx/>
+                        <a:buFontTx/>
+                        <a:buNone/>
+                        <a:tabLst/>
+                        <a:defRPr/>
+                      </a:pPr>
+                      <a:r>
+                        <a:rPr lang="en-US" altLang="zh-TW" sz="800" dirty="0">
                           <a:solidFill>
                             <a:srgbClr val="FF0000"/>
                           </a:solidFill>
@@ -7795,7 +7814,7 @@
                         <a:t>RATED</a:t>
                       </a:r>
                       <a:r>
-                        <a:rPr kumimoji="0" lang="en-US" altLang="zh-TW" sz="1000" b="0" i="0" u="none" strike="noStrike" cap="none" spc="0" normalizeH="0" baseline="0" dirty="0">
+                        <a:rPr kumimoji="0" lang="en-US" altLang="zh-TW" sz="800" b="0" i="0" u="none" strike="noStrike" cap="none" spc="0" normalizeH="0" baseline="0" dirty="0">
                           <a:ln>
                             <a:noFill/>
                           </a:ln>
@@ -7812,7 +7831,7 @@
                         <a:t>(</a:t>
                       </a:r>
                       <a:r>
-                        <a:rPr kumimoji="0" lang="zh-TW" altLang="en-US" sz="1000" b="0" i="0" u="none" strike="noStrike" cap="none" spc="0" normalizeH="0" baseline="0" dirty="0">
+                        <a:rPr kumimoji="0" lang="zh-TW" altLang="en-US" sz="800" b="0" i="0" u="none" strike="noStrike" cap="none" spc="0" normalizeH="0" baseline="0" dirty="0">
                           <a:ln>
                             <a:noFill/>
                           </a:ln>
@@ -7829,7 +7848,7 @@
                         <a:t>做完</a:t>
                       </a:r>
                       <a:r>
-                        <a:rPr kumimoji="0" lang="en-US" altLang="zh-TW" sz="1000" b="0" i="0" u="none" strike="noStrike" cap="none" spc="0" normalizeH="0" baseline="0" dirty="0">
+                        <a:rPr kumimoji="0" lang="en-US" altLang="zh-TW" sz="800" b="0" i="0" u="none" strike="noStrike" cap="none" spc="0" normalizeH="0" baseline="0" dirty="0">
                           <a:ln>
                             <a:noFill/>
                           </a:ln>
@@ -7846,7 +7865,7 @@
                         <a:t>CB</a:t>
                       </a:r>
                       <a:r>
-                        <a:rPr kumimoji="0" lang="zh-TW" altLang="en-US" sz="1000" b="0" i="0" u="none" strike="noStrike" cap="none" spc="0" normalizeH="0" baseline="0" dirty="0">
+                        <a:rPr kumimoji="0" lang="zh-TW" altLang="en-US" sz="800" b="0" i="0" u="none" strike="noStrike" cap="none" spc="0" normalizeH="0" baseline="0" dirty="0">
                           <a:ln>
                             <a:noFill/>
                           </a:ln>
@@ -7860,10 +7879,10 @@
                           <a:cs typeface="+mn-cs"/>
                           <a:sym typeface="Calibri"/>
                         </a:rPr>
-                        <a:t>抵扣、已產生最後金額</a:t>
-                      </a:r>
-                      <a:r>
-                        <a:rPr kumimoji="0" lang="en-US" altLang="zh-TW" sz="1000" b="0" i="0" u="none" strike="noStrike" cap="none" spc="0" normalizeH="0" baseline="0" dirty="0">
+                        <a:t>抵扣已產生最後金額</a:t>
+                      </a:r>
+                      <a:r>
+                        <a:rPr kumimoji="0" lang="en-US" altLang="zh-TW" sz="800" b="0" i="0" u="none" strike="noStrike" cap="none" spc="0" normalizeH="0" baseline="0" dirty="0">
                           <a:ln>
                             <a:noFill/>
                           </a:ln>
@@ -7879,8 +7898,27 @@
                         </a:rPr>
                         <a:t>)</a:t>
                       </a:r>
-                      <a:r>
-                        <a:rPr kumimoji="0" lang="zh-TW" altLang="en-US" sz="1000" b="0" i="0" u="none" strike="noStrike" cap="none" spc="0" normalizeH="0" baseline="0" dirty="0">
+                    </a:p>
+                    <a:p>
+                      <a:pPr marL="0" marR="0" lvl="0" indent="0" algn="l" defTabSz="685800" rtl="0" eaLnBrk="1" fontAlgn="ctr" latinLnBrk="0" hangingPunct="1">
+                        <a:lnSpc>
+                          <a:spcPct val="100000"/>
+                        </a:lnSpc>
+                        <a:spcBef>
+                          <a:spcPct val="0"/>
+                        </a:spcBef>
+                        <a:spcAft>
+                          <a:spcPct val="0"/>
+                        </a:spcAft>
+                        <a:buClrTx/>
+                        <a:buSzTx/>
+                        <a:buFontTx/>
+                        <a:buNone/>
+                        <a:tabLst/>
+                        <a:defRPr/>
+                      </a:pPr>
+                      <a:r>
+                        <a:rPr kumimoji="0" lang="en-US" altLang="zh-TW" sz="800" b="0" i="0" u="none" strike="noStrike" cap="none" spc="0" normalizeH="0" baseline="0" dirty="0">
                           <a:ln>
                             <a:noFill/>
                           </a:ln>
@@ -7894,10 +7932,10 @@
                           <a:cs typeface="+mn-cs"/>
                           <a:sym typeface="Calibri"/>
                         </a:rPr>
-                        <a:t>、</a:t>
-                      </a:r>
-                      <a:r>
-                        <a:rPr kumimoji="0" lang="en-US" altLang="zh-TW" sz="1000" b="0" i="0" u="none" strike="noStrike" cap="none" spc="0" normalizeH="0" baseline="0" dirty="0">
+                        <a:t>SIGNED(</a:t>
+                      </a:r>
+                      <a:r>
+                        <a:rPr kumimoji="0" lang="zh-TW" altLang="en-US" sz="800" b="0" i="0" u="none" strike="noStrike" cap="none" spc="0" normalizeH="0" baseline="0" dirty="0">
                           <a:ln>
                             <a:noFill/>
                           </a:ln>
@@ -7911,10 +7949,10 @@
                           <a:cs typeface="+mn-cs"/>
                           <a:sym typeface="Calibri"/>
                         </a:rPr>
-                        <a:t>SIGNED(</a:t>
-                      </a:r>
-                      <a:r>
-                        <a:rPr kumimoji="0" lang="zh-TW" altLang="en-US" sz="1000" b="0" i="0" u="none" strike="noStrike" cap="none" spc="0" normalizeH="0" baseline="0" dirty="0">
+                        <a:t>帳單檔簽核完成</a:t>
+                      </a:r>
+                      <a:r>
+                        <a:rPr kumimoji="0" lang="en-US" altLang="zh-TW" sz="800" b="0" i="0" u="none" strike="noStrike" cap="none" spc="0" normalizeH="0" baseline="0" dirty="0">
                           <a:ln>
                             <a:noFill/>
                           </a:ln>
@@ -7928,10 +7966,10 @@
                           <a:cs typeface="+mn-cs"/>
                           <a:sym typeface="Calibri"/>
                         </a:rPr>
-                        <a:t>帳單檔簽核完成</a:t>
-                      </a:r>
-                      <a:r>
-                        <a:rPr kumimoji="0" lang="en-US" altLang="zh-TW" sz="1000" b="0" i="0" u="none" strike="noStrike" cap="none" spc="0" normalizeH="0" baseline="0" dirty="0">
+                        <a:t>)</a:t>
+                      </a:r>
+                      <a:r>
+                        <a:rPr kumimoji="0" lang="zh-TW" altLang="en-US" sz="800" b="0" i="0" u="none" strike="noStrike" cap="none" spc="0" normalizeH="0" baseline="0" dirty="0">
                           <a:ln>
                             <a:noFill/>
                           </a:ln>
@@ -7945,10 +7983,10 @@
                           <a:cs typeface="+mn-cs"/>
                           <a:sym typeface="Calibri"/>
                         </a:rPr>
-                        <a:t>)</a:t>
-                      </a:r>
-                      <a:r>
-                        <a:rPr kumimoji="0" lang="zh-TW" altLang="en-US" sz="1000" b="0" i="0" u="none" strike="noStrike" cap="none" spc="0" normalizeH="0" baseline="0" dirty="0">
+                        <a:t> </a:t>
+                      </a:r>
+                      <a:r>
+                        <a:rPr kumimoji="0" lang="en-US" altLang="zh-TW" sz="800" b="0" i="0" u="none" strike="noStrike" cap="none" spc="0" normalizeH="0" baseline="0" dirty="0">
                           <a:ln>
                             <a:noFill/>
                           </a:ln>
@@ -7962,10 +8000,10 @@
                           <a:cs typeface="+mn-cs"/>
                           <a:sym typeface="Calibri"/>
                         </a:rPr>
-                        <a:t> 、</a:t>
-                      </a:r>
-                      <a:r>
-                        <a:rPr kumimoji="0" lang="en-US" altLang="zh-TW" sz="1000" b="0" i="0" u="none" strike="noStrike" cap="none" spc="0" normalizeH="0" baseline="0" dirty="0">
+                        <a:t>TO_WRITEOFF</a:t>
+                      </a:r>
+                      <a:r>
+                        <a:rPr kumimoji="0" lang="zh-TW" altLang="en-US" sz="800" b="0" i="0" u="none" strike="noStrike" cap="none" spc="0" normalizeH="0" baseline="0" dirty="0">
                           <a:ln>
                             <a:noFill/>
                           </a:ln>
@@ -7979,10 +8017,10 @@
                           <a:cs typeface="+mn-cs"/>
                           <a:sym typeface="Calibri"/>
                         </a:rPr>
-                        <a:t>TO_WRITEOFF</a:t>
-                      </a:r>
-                      <a:r>
-                        <a:rPr kumimoji="0" lang="zh-TW" altLang="en-US" sz="1000" b="0" i="0" u="none" strike="noStrike" cap="none" spc="0" normalizeH="0" baseline="0" dirty="0">
+                        <a:t> </a:t>
+                      </a:r>
+                      <a:r>
+                        <a:rPr kumimoji="0" lang="en-US" altLang="zh-TW" sz="800" b="0" i="0" u="none" strike="noStrike" cap="none" spc="0" normalizeH="0" baseline="0" dirty="0">
                           <a:ln>
                             <a:noFill/>
                           </a:ln>
@@ -7996,10 +8034,10 @@
                           <a:cs typeface="+mn-cs"/>
                           <a:sym typeface="Calibri"/>
                         </a:rPr>
-                        <a:t> </a:t>
-                      </a:r>
-                      <a:r>
-                        <a:rPr kumimoji="0" lang="en-US" altLang="zh-TW" sz="1000" b="0" i="0" u="none" strike="noStrike" cap="none" spc="0" normalizeH="0" baseline="0" dirty="0">
+                        <a:t>(</a:t>
+                      </a:r>
+                      <a:r>
+                        <a:rPr kumimoji="0" lang="zh-TW" altLang="en-US" sz="800" b="0" i="0" u="none" strike="noStrike" cap="none" spc="0" normalizeH="0" baseline="0" dirty="0">
                           <a:ln>
                             <a:noFill/>
                           </a:ln>
@@ -8013,10 +8051,10 @@
                           <a:cs typeface="+mn-cs"/>
                           <a:sym typeface="Calibri"/>
                         </a:rPr>
-                        <a:t>(</a:t>
-                      </a:r>
-                      <a:r>
-                        <a:rPr kumimoji="0" lang="zh-TW" altLang="en-US" sz="1000" b="0" i="0" u="none" strike="noStrike" cap="none" spc="0" normalizeH="0" baseline="0" dirty="0">
+                        <a:t>待銷帳</a:t>
+                      </a:r>
+                      <a:r>
+                        <a:rPr kumimoji="0" lang="en-US" altLang="zh-TW" sz="800" b="0" i="0" u="none" strike="noStrike" cap="none" spc="0" normalizeH="0" baseline="0" dirty="0">
                           <a:ln>
                             <a:noFill/>
                           </a:ln>
@@ -8030,10 +8068,10 @@
                           <a:cs typeface="+mn-cs"/>
                           <a:sym typeface="Calibri"/>
                         </a:rPr>
-                        <a:t>待銷帳</a:t>
-                      </a:r>
-                      <a:r>
-                        <a:rPr kumimoji="0" lang="en-US" altLang="zh-TW" sz="1000" b="0" i="0" u="none" strike="noStrike" cap="none" spc="0" normalizeH="0" baseline="0" dirty="0">
+                        <a:t>)</a:t>
+                      </a:r>
+                      <a:r>
+                        <a:rPr kumimoji="0" lang="zh-TW" altLang="en-US" sz="800" b="0" i="0" u="none" strike="noStrike" cap="none" spc="0" normalizeH="0" baseline="0" dirty="0">
                           <a:ln>
                             <a:noFill/>
                           </a:ln>
@@ -8047,10 +8085,10 @@
                           <a:cs typeface="+mn-cs"/>
                           <a:sym typeface="Calibri"/>
                         </a:rPr>
-                        <a:t>)</a:t>
-                      </a:r>
-                      <a:r>
-                        <a:rPr kumimoji="0" lang="zh-TW" altLang="en-US" sz="1000" b="0" i="0" u="none" strike="noStrike" cap="none" spc="0" normalizeH="0" baseline="0" dirty="0">
+                        <a:t> </a:t>
+                      </a:r>
+                      <a:r>
+                        <a:rPr kumimoji="0" lang="en-US" altLang="zh-TW" sz="800" b="0" i="0" u="none" strike="noStrike" cap="none" spc="0" normalizeH="0" baseline="0" dirty="0">
                           <a:ln>
                             <a:noFill/>
                           </a:ln>
@@ -8064,10 +8102,10 @@
                           <a:cs typeface="+mn-cs"/>
                           <a:sym typeface="Calibri"/>
                         </a:rPr>
-                        <a:t> 、</a:t>
-                      </a:r>
-                      <a:r>
-                        <a:rPr kumimoji="0" lang="en-US" altLang="zh-TW" sz="1000" b="0" i="0" u="none" strike="noStrike" cap="none" spc="0" normalizeH="0" baseline="0" dirty="0">
+                        <a:t>COMPLETE(</a:t>
+                      </a:r>
+                      <a:r>
+                        <a:rPr kumimoji="0" lang="zh-TW" altLang="en-US" sz="800" b="0" i="0" u="none" strike="noStrike" cap="none" spc="0" normalizeH="0" baseline="0" dirty="0">
                           <a:ln>
                             <a:noFill/>
                           </a:ln>
@@ -8081,10 +8119,10 @@
                           <a:cs typeface="+mn-cs"/>
                           <a:sym typeface="Calibri"/>
                         </a:rPr>
-                        <a:t>COMPLETE(</a:t>
-                      </a:r>
-                      <a:r>
-                        <a:rPr kumimoji="0" lang="zh-TW" altLang="en-US" sz="1000" b="0" i="0" u="none" strike="noStrike" cap="none" spc="0" normalizeH="0" baseline="0" dirty="0">
+                        <a:t>銷帳完成</a:t>
+                      </a:r>
+                      <a:r>
+                        <a:rPr kumimoji="0" lang="en-US" altLang="zh-TW" sz="800" b="0" i="0" u="none" strike="noStrike" cap="none" spc="0" normalizeH="0" baseline="0" dirty="0">
                           <a:ln>
                             <a:noFill/>
                           </a:ln>
@@ -8098,10 +8136,29 @@
                           <a:cs typeface="+mn-cs"/>
                           <a:sym typeface="Calibri"/>
                         </a:rPr>
-                        <a:t>銷帳完成</a:t>
-                      </a:r>
-                      <a:r>
-                        <a:rPr kumimoji="0" lang="en-US" altLang="zh-TW" sz="1000" b="0" i="0" u="none" strike="noStrike" cap="none" spc="0" normalizeH="0" baseline="0" dirty="0">
+                        <a:t>)</a:t>
+                      </a:r>
+                    </a:p>
+                    <a:p>
+                      <a:pPr marL="0" marR="0" lvl="0" indent="0" algn="l" defTabSz="685800" rtl="0" eaLnBrk="1" fontAlgn="ctr" latinLnBrk="0" hangingPunct="1">
+                        <a:lnSpc>
+                          <a:spcPct val="100000"/>
+                        </a:lnSpc>
+                        <a:spcBef>
+                          <a:spcPct val="0"/>
+                        </a:spcBef>
+                        <a:spcAft>
+                          <a:spcPct val="0"/>
+                        </a:spcAft>
+                        <a:buClrTx/>
+                        <a:buSzTx/>
+                        <a:buFontTx/>
+                        <a:buNone/>
+                        <a:tabLst/>
+                        <a:defRPr/>
+                      </a:pPr>
+                      <a:r>
+                        <a:rPr kumimoji="0" lang="en-US" altLang="zh-TW" sz="800" b="0" i="0" u="none" strike="noStrike" cap="none" spc="0" normalizeH="0" baseline="0" dirty="0">
                           <a:ln>
                             <a:noFill/>
                           </a:ln>
@@ -8115,10 +8172,10 @@
                           <a:cs typeface="+mn-cs"/>
                           <a:sym typeface="Calibri"/>
                         </a:rPr>
-                        <a:t>)</a:t>
-                      </a:r>
-                      <a:r>
-                        <a:rPr kumimoji="0" lang="zh-TW" altLang="en-US" sz="1000" b="0" i="0" u="none" strike="noStrike" cap="none" spc="0" normalizeH="0" baseline="0" dirty="0">
+                        <a:t>INVALID(</a:t>
+                      </a:r>
+                      <a:r>
+                        <a:rPr kumimoji="0" lang="zh-TW" altLang="en-US" sz="800" b="0" i="0" u="none" strike="noStrike" cap="none" spc="0" normalizeH="0" baseline="0" dirty="0">
                           <a:ln>
                             <a:noFill/>
                           </a:ln>
@@ -8132,44 +8189,10 @@
                           <a:cs typeface="+mn-cs"/>
                           <a:sym typeface="Calibri"/>
                         </a:rPr>
-                        <a:t>、</a:t>
-                      </a:r>
-                      <a:r>
-                        <a:rPr kumimoji="0" lang="en-US" altLang="zh-TW" sz="1000" b="0" i="0" u="none" strike="noStrike" cap="none" spc="0" normalizeH="0" baseline="0" dirty="0">
-                          <a:ln>
-                            <a:noFill/>
-                          </a:ln>
-                          <a:solidFill>
-                            <a:srgbClr val="FF0000"/>
-                          </a:solidFill>
-                          <a:effectLst/>
-                          <a:uFillTx/>
-                          <a:latin typeface="微軟正黑體" panose="020B0604030504040204" pitchFamily="34" charset="-120"/>
-                          <a:ea typeface="微軟正黑體" panose="020B0604030504040204" pitchFamily="34" charset="-120"/>
-                          <a:cs typeface="+mn-cs"/>
-                          <a:sym typeface="Calibri"/>
-                        </a:rPr>
-                        <a:t>INVALID(</a:t>
-                      </a:r>
-                      <a:r>
-                        <a:rPr kumimoji="0" lang="zh-TW" altLang="en-US" sz="1000" b="0" i="0" u="none" strike="noStrike" cap="none" spc="0" normalizeH="0" baseline="0" dirty="0">
-                          <a:ln>
-                            <a:noFill/>
-                          </a:ln>
-                          <a:solidFill>
-                            <a:srgbClr val="FF0000"/>
-                          </a:solidFill>
-                          <a:effectLst/>
-                          <a:uFillTx/>
-                          <a:latin typeface="微軟正黑體" panose="020B0604030504040204" pitchFamily="34" charset="-120"/>
-                          <a:ea typeface="微軟正黑體" panose="020B0604030504040204" pitchFamily="34" charset="-120"/>
-                          <a:cs typeface="+mn-cs"/>
-                          <a:sym typeface="Calibri"/>
-                        </a:rPr>
                         <a:t>作廢</a:t>
                       </a:r>
                       <a:r>
-                        <a:rPr kumimoji="0" lang="en-US" altLang="zh-TW" sz="1000" b="0" i="0" u="none" strike="noStrike" cap="none" spc="0" normalizeH="0" baseline="0" dirty="0">
+                        <a:rPr kumimoji="0" lang="en-US" altLang="zh-TW" sz="800" b="0" i="0" u="none" strike="noStrike" cap="none" spc="0" normalizeH="0" baseline="0" dirty="0">
                           <a:ln>
                             <a:noFill/>
                           </a:ln>

--- a/CBP專案/帳單API/帳單API_part3_銷帳.pptx
+++ b/CBP專案/帳單API/帳單API_part3_銷帳.pptx
@@ -261,7 +261,7 @@
           <a:p>
             <a:fld id="{D882F09B-2FF2-4A31-9A00-F30A5D9C7621}" type="datetimeFigureOut">
               <a:rPr lang="zh-TW" altLang="en-US" smtClean="0"/>
-              <a:t>2023/3/27</a:t>
+              <a:t>2023/4/19</a:t>
             </a:fld>
             <a:endParaRPr lang="zh-TW" altLang="en-US"/>
           </a:p>
@@ -459,7 +459,7 @@
           <a:p>
             <a:fld id="{D882F09B-2FF2-4A31-9A00-F30A5D9C7621}" type="datetimeFigureOut">
               <a:rPr lang="zh-TW" altLang="en-US" smtClean="0"/>
-              <a:t>2023/3/27</a:t>
+              <a:t>2023/4/19</a:t>
             </a:fld>
             <a:endParaRPr lang="zh-TW" altLang="en-US"/>
           </a:p>
@@ -667,7 +667,7 @@
           <a:p>
             <a:fld id="{D882F09B-2FF2-4A31-9A00-F30A5D9C7621}" type="datetimeFigureOut">
               <a:rPr lang="zh-TW" altLang="en-US" smtClean="0"/>
-              <a:t>2023/3/27</a:t>
+              <a:t>2023/4/19</a:t>
             </a:fld>
             <a:endParaRPr lang="zh-TW" altLang="en-US"/>
           </a:p>
@@ -865,7 +865,7 @@
           <a:p>
             <a:fld id="{D882F09B-2FF2-4A31-9A00-F30A5D9C7621}" type="datetimeFigureOut">
               <a:rPr lang="zh-TW" altLang="en-US" smtClean="0"/>
-              <a:t>2023/3/27</a:t>
+              <a:t>2023/4/19</a:t>
             </a:fld>
             <a:endParaRPr lang="zh-TW" altLang="en-US"/>
           </a:p>
@@ -1140,7 +1140,7 @@
           <a:p>
             <a:fld id="{D882F09B-2FF2-4A31-9A00-F30A5D9C7621}" type="datetimeFigureOut">
               <a:rPr lang="zh-TW" altLang="en-US" smtClean="0"/>
-              <a:t>2023/3/27</a:t>
+              <a:t>2023/4/19</a:t>
             </a:fld>
             <a:endParaRPr lang="zh-TW" altLang="en-US"/>
           </a:p>
@@ -1405,7 +1405,7 @@
           <a:p>
             <a:fld id="{D882F09B-2FF2-4A31-9A00-F30A5D9C7621}" type="datetimeFigureOut">
               <a:rPr lang="zh-TW" altLang="en-US" smtClean="0"/>
-              <a:t>2023/3/27</a:t>
+              <a:t>2023/4/19</a:t>
             </a:fld>
             <a:endParaRPr lang="zh-TW" altLang="en-US"/>
           </a:p>
@@ -1817,7 +1817,7 @@
           <a:p>
             <a:fld id="{D882F09B-2FF2-4A31-9A00-F30A5D9C7621}" type="datetimeFigureOut">
               <a:rPr lang="zh-TW" altLang="en-US" smtClean="0"/>
-              <a:t>2023/3/27</a:t>
+              <a:t>2023/4/19</a:t>
             </a:fld>
             <a:endParaRPr lang="zh-TW" altLang="en-US"/>
           </a:p>
@@ -1958,7 +1958,7 @@
           <a:p>
             <a:fld id="{D882F09B-2FF2-4A31-9A00-F30A5D9C7621}" type="datetimeFigureOut">
               <a:rPr lang="zh-TW" altLang="en-US" smtClean="0"/>
-              <a:t>2023/3/27</a:t>
+              <a:t>2023/4/19</a:t>
             </a:fld>
             <a:endParaRPr lang="zh-TW" altLang="en-US"/>
           </a:p>
@@ -2071,7 +2071,7 @@
           <a:p>
             <a:fld id="{D882F09B-2FF2-4A31-9A00-F30A5D9C7621}" type="datetimeFigureOut">
               <a:rPr lang="zh-TW" altLang="en-US" smtClean="0"/>
-              <a:t>2023/3/27</a:t>
+              <a:t>2023/4/19</a:t>
             </a:fld>
             <a:endParaRPr lang="zh-TW" altLang="en-US"/>
           </a:p>
@@ -2382,7 +2382,7 @@
           <a:p>
             <a:fld id="{D882F09B-2FF2-4A31-9A00-F30A5D9C7621}" type="datetimeFigureOut">
               <a:rPr lang="zh-TW" altLang="en-US" smtClean="0"/>
-              <a:t>2023/3/27</a:t>
+              <a:t>2023/4/19</a:t>
             </a:fld>
             <a:endParaRPr lang="zh-TW" altLang="en-US"/>
           </a:p>
@@ -2670,7 +2670,7 @@
           <a:p>
             <a:fld id="{D882F09B-2FF2-4A31-9A00-F30A5D9C7621}" type="datetimeFigureOut">
               <a:rPr lang="zh-TW" altLang="en-US" smtClean="0"/>
-              <a:t>2023/3/27</a:t>
+              <a:t>2023/4/19</a:t>
             </a:fld>
             <a:endParaRPr lang="zh-TW" altLang="en-US"/>
           </a:p>
@@ -2911,7 +2911,7 @@
           <a:p>
             <a:fld id="{D882F09B-2FF2-4A31-9A00-F30A5D9C7621}" type="datetimeFigureOut">
               <a:rPr lang="zh-TW" altLang="en-US" smtClean="0"/>
-              <a:t>2023/3/27</a:t>
+              <a:t>2023/4/19</a:t>
             </a:fld>
             <a:endParaRPr lang="zh-TW" altLang="en-US"/>
           </a:p>
@@ -3434,708 +3434,729 @@
           <a:chExt cx="0" cy="0"/>
         </a:xfrm>
       </p:grpSpPr>
-      <p:pic>
-        <p:nvPicPr>
-          <p:cNvPr id="5" name="圖片 4">
+      <p:grpSp>
+        <p:nvGrpSpPr>
+          <p:cNvPr id="2" name="群組 1">
             <a:extLst>
               <a:ext uri="{FF2B5EF4-FFF2-40B4-BE49-F238E27FC236}">
-                <a16:creationId xmlns:a16="http://schemas.microsoft.com/office/drawing/2014/main" id="{ABD99A1F-E087-467F-A404-3E6F837E76E6}"/>
+                <a16:creationId xmlns:a16="http://schemas.microsoft.com/office/drawing/2014/main" id="{16CA9812-67CC-433D-8170-1A627FE2DC77}"/>
               </a:ext>
             </a:extLst>
           </p:cNvPr>
-          <p:cNvPicPr>
-            <a:picLocks noChangeAspect="1"/>
-          </p:cNvPicPr>
+          <p:cNvGrpSpPr/>
           <p:nvPr/>
-        </p:nvPicPr>
-        <p:blipFill>
-          <a:blip r:embed="rId2"/>
-          <a:stretch>
-            <a:fillRect/>
-          </a:stretch>
-        </p:blipFill>
-        <p:spPr>
+        </p:nvGrpSpPr>
+        <p:grpSpPr>
           <a:xfrm>
             <a:off x="116539" y="112265"/>
             <a:ext cx="7144871" cy="3540498"/>
+            <a:chOff x="116539" y="112265"/>
+            <a:chExt cx="7144871" cy="3540498"/>
           </a:xfrm>
-          <a:prstGeom prst="rect">
-            <a:avLst/>
-          </a:prstGeom>
-        </p:spPr>
-      </p:pic>
-      <p:sp>
-        <p:nvSpPr>
-          <p:cNvPr id="7" name="文字方塊 6">
-            <a:extLst>
-              <a:ext uri="{FF2B5EF4-FFF2-40B4-BE49-F238E27FC236}">
-                <a16:creationId xmlns:a16="http://schemas.microsoft.com/office/drawing/2014/main" id="{10E15CB8-5777-48FE-B8EE-F84F88B15761}"/>
-              </a:ext>
-            </a:extLst>
-          </p:cNvPr>
-          <p:cNvSpPr txBox="1"/>
-          <p:nvPr/>
-        </p:nvSpPr>
-        <p:spPr>
-          <a:xfrm>
-            <a:off x="2010398" y="2133340"/>
-            <a:ext cx="691745" cy="246221"/>
-          </a:xfrm>
-          <a:prstGeom prst="rect">
-            <a:avLst/>
-          </a:prstGeom>
-          <a:noFill/>
-        </p:spPr>
-        <p:txBody>
-          <a:bodyPr wrap="square">
-            <a:spAutoFit/>
-          </a:bodyPr>
-          <a:lstStyle/>
-          <a:p>
-            <a:r>
-              <a:rPr lang="zh-TW" altLang="en-US" sz="1000" dirty="0">
+        </p:grpSpPr>
+        <p:pic>
+          <p:nvPicPr>
+            <p:cNvPr id="5" name="圖片 4">
+              <a:extLst>
+                <a:ext uri="{FF2B5EF4-FFF2-40B4-BE49-F238E27FC236}">
+                  <a16:creationId xmlns:a16="http://schemas.microsoft.com/office/drawing/2014/main" id="{ABD99A1F-E087-467F-A404-3E6F837E76E6}"/>
+                </a:ext>
+              </a:extLst>
+            </p:cNvPr>
+            <p:cNvPicPr>
+              <a:picLocks noChangeAspect="1"/>
+            </p:cNvPicPr>
+            <p:nvPr/>
+          </p:nvPicPr>
+          <p:blipFill>
+            <a:blip r:embed="rId2"/>
+            <a:stretch>
+              <a:fillRect/>
+            </a:stretch>
+          </p:blipFill>
+          <p:spPr>
+            <a:xfrm>
+              <a:off x="116539" y="112265"/>
+              <a:ext cx="7144871" cy="3540498"/>
+            </a:xfrm>
+            <a:prstGeom prst="rect">
+              <a:avLst/>
+            </a:prstGeom>
+          </p:spPr>
+        </p:pic>
+        <p:sp>
+          <p:nvSpPr>
+            <p:cNvPr id="7" name="文字方塊 6">
+              <a:extLst>
+                <a:ext uri="{FF2B5EF4-FFF2-40B4-BE49-F238E27FC236}">
+                  <a16:creationId xmlns:a16="http://schemas.microsoft.com/office/drawing/2014/main" id="{10E15CB8-5777-48FE-B8EE-F84F88B15761}"/>
+                </a:ext>
+              </a:extLst>
+            </p:cNvPr>
+            <p:cNvSpPr txBox="1"/>
+            <p:nvPr/>
+          </p:nvSpPr>
+          <p:spPr>
+            <a:xfrm>
+              <a:off x="2010398" y="2133340"/>
+              <a:ext cx="691745" cy="246221"/>
+            </a:xfrm>
+            <a:prstGeom prst="rect">
+              <a:avLst/>
+            </a:prstGeom>
+            <a:noFill/>
+          </p:spPr>
+          <p:txBody>
+            <a:bodyPr wrap="square">
+              <a:spAutoFit/>
+            </a:bodyPr>
+            <a:lstStyle/>
+            <a:p>
+              <a:r>
+                <a:rPr lang="zh-TW" altLang="en-US" sz="1000" dirty="0">
+                  <a:solidFill>
+                    <a:srgbClr val="FF0000"/>
+                  </a:solidFill>
+                  <a:latin typeface="Times New Roman" panose="02020603050405020304" pitchFamily="18" charset="0"/>
+                  <a:cs typeface="Times New Roman" panose="02020603050405020304" pitchFamily="18" charset="0"/>
+                </a:rPr>
+                <a:t>BankFees</a:t>
+              </a:r>
+            </a:p>
+          </p:txBody>
+        </p:sp>
+        <p:sp>
+          <p:nvSpPr>
+            <p:cNvPr id="8" name="矩形: 圓角 7">
+              <a:extLst>
+                <a:ext uri="{FF2B5EF4-FFF2-40B4-BE49-F238E27FC236}">
+                  <a16:creationId xmlns:a16="http://schemas.microsoft.com/office/drawing/2014/main" id="{1BD690C0-27D4-44B6-8E7B-23220853DCAA}"/>
+                </a:ext>
+              </a:extLst>
+            </p:cNvPr>
+            <p:cNvSpPr/>
+            <p:nvPr/>
+          </p:nvSpPr>
+          <p:spPr>
+            <a:xfrm>
+              <a:off x="2301875" y="1425575"/>
+              <a:ext cx="352425" cy="768350"/>
+            </a:xfrm>
+            <a:prstGeom prst="roundRect">
+              <a:avLst/>
+            </a:prstGeom>
+            <a:noFill/>
+            <a:ln>
+              <a:solidFill>
+                <a:srgbClr val="FF0000"/>
+              </a:solidFill>
+            </a:ln>
+          </p:spPr>
+          <p:style>
+            <a:lnRef idx="2">
+              <a:schemeClr val="accent1">
+                <a:shade val="50000"/>
+              </a:schemeClr>
+            </a:lnRef>
+            <a:fillRef idx="1">
+              <a:schemeClr val="accent1"/>
+            </a:fillRef>
+            <a:effectRef idx="0">
+              <a:schemeClr val="accent1"/>
+            </a:effectRef>
+            <a:fontRef idx="minor">
+              <a:schemeClr val="lt1"/>
+            </a:fontRef>
+          </p:style>
+          <p:txBody>
+            <a:bodyPr rtlCol="0" anchor="ctr"/>
+            <a:lstStyle/>
+            <a:p>
+              <a:pPr algn="ctr"/>
+              <a:endParaRPr lang="zh-TW" altLang="en-US"/>
+            </a:p>
+          </p:txBody>
+        </p:sp>
+        <p:sp>
+          <p:nvSpPr>
+            <p:cNvPr id="10" name="文字方塊 9">
+              <a:extLst>
+                <a:ext uri="{FF2B5EF4-FFF2-40B4-BE49-F238E27FC236}">
+                  <a16:creationId xmlns:a16="http://schemas.microsoft.com/office/drawing/2014/main" id="{4182E8A7-7A52-4D4D-8F2C-862D74CEA6FF}"/>
+                </a:ext>
+              </a:extLst>
+            </p:cNvPr>
+            <p:cNvSpPr txBox="1"/>
+            <p:nvPr/>
+          </p:nvSpPr>
+          <p:spPr>
+            <a:xfrm>
+              <a:off x="2615764" y="2145020"/>
+              <a:ext cx="1265238" cy="246221"/>
+            </a:xfrm>
+            <a:prstGeom prst="rect">
+              <a:avLst/>
+            </a:prstGeom>
+            <a:noFill/>
+          </p:spPr>
+          <p:txBody>
+            <a:bodyPr wrap="square">
+              <a:spAutoFit/>
+            </a:bodyPr>
+            <a:lstStyle/>
+            <a:p>
+              <a:r>
+                <a:rPr lang="zh-TW" altLang="en-US" sz="1000" dirty="0">
+                  <a:solidFill>
+                    <a:srgbClr val="FF0000"/>
+                  </a:solidFill>
+                  <a:latin typeface="Times New Roman" panose="02020603050405020304" pitchFamily="18" charset="0"/>
+                  <a:cs typeface="Times New Roman" panose="02020603050405020304" pitchFamily="18" charset="0"/>
+                </a:rPr>
+                <a:t>ReceivedAmount</a:t>
+              </a:r>
+            </a:p>
+          </p:txBody>
+        </p:sp>
+        <p:sp>
+          <p:nvSpPr>
+            <p:cNvPr id="11" name="矩形: 圓角 10">
+              <a:extLst>
+                <a:ext uri="{FF2B5EF4-FFF2-40B4-BE49-F238E27FC236}">
+                  <a16:creationId xmlns:a16="http://schemas.microsoft.com/office/drawing/2014/main" id="{900EAE3D-228F-4431-B43A-A2F4EFF4014B}"/>
+                </a:ext>
+              </a:extLst>
+            </p:cNvPr>
+            <p:cNvSpPr/>
+            <p:nvPr/>
+          </p:nvSpPr>
+          <p:spPr>
+            <a:xfrm>
+              <a:off x="2679065" y="1427162"/>
+              <a:ext cx="352425" cy="768350"/>
+            </a:xfrm>
+            <a:prstGeom prst="roundRect">
+              <a:avLst/>
+            </a:prstGeom>
+            <a:noFill/>
+            <a:ln>
+              <a:solidFill>
+                <a:srgbClr val="FF0000"/>
+              </a:solidFill>
+            </a:ln>
+          </p:spPr>
+          <p:style>
+            <a:lnRef idx="2">
+              <a:schemeClr val="accent1">
+                <a:shade val="50000"/>
+              </a:schemeClr>
+            </a:lnRef>
+            <a:fillRef idx="1">
+              <a:schemeClr val="accent1"/>
+            </a:fillRef>
+            <a:effectRef idx="0">
+              <a:schemeClr val="accent1"/>
+            </a:effectRef>
+            <a:fontRef idx="minor">
+              <a:schemeClr val="lt1"/>
+            </a:fontRef>
+          </p:style>
+          <p:txBody>
+            <a:bodyPr rtlCol="0" anchor="ctr"/>
+            <a:lstStyle/>
+            <a:p>
+              <a:pPr algn="ctr"/>
+              <a:endParaRPr lang="zh-TW" altLang="en-US" dirty="0"/>
+            </a:p>
+          </p:txBody>
+        </p:sp>
+        <p:sp>
+          <p:nvSpPr>
+            <p:cNvPr id="14" name="矩形: 圓角 13">
+              <a:extLst>
+                <a:ext uri="{FF2B5EF4-FFF2-40B4-BE49-F238E27FC236}">
+                  <a16:creationId xmlns:a16="http://schemas.microsoft.com/office/drawing/2014/main" id="{0100708D-BB18-4927-806F-7BE9741535D5}"/>
+                </a:ext>
+              </a:extLst>
+            </p:cNvPr>
+            <p:cNvSpPr/>
+            <p:nvPr/>
+          </p:nvSpPr>
+          <p:spPr>
+            <a:xfrm>
+              <a:off x="4112577" y="1425575"/>
+              <a:ext cx="807086" cy="768350"/>
+            </a:xfrm>
+            <a:prstGeom prst="roundRect">
+              <a:avLst/>
+            </a:prstGeom>
+            <a:noFill/>
+            <a:ln>
+              <a:solidFill>
+                <a:srgbClr val="FF0000"/>
+              </a:solidFill>
+            </a:ln>
+          </p:spPr>
+          <p:style>
+            <a:lnRef idx="2">
+              <a:schemeClr val="accent1">
+                <a:shade val="50000"/>
+              </a:schemeClr>
+            </a:lnRef>
+            <a:fillRef idx="1">
+              <a:schemeClr val="accent1"/>
+            </a:fillRef>
+            <a:effectRef idx="0">
+              <a:schemeClr val="accent1"/>
+            </a:effectRef>
+            <a:fontRef idx="minor">
+              <a:schemeClr val="lt1"/>
+            </a:fontRef>
+          </p:style>
+          <p:txBody>
+            <a:bodyPr rtlCol="0" anchor="ctr"/>
+            <a:lstStyle/>
+            <a:p>
+              <a:pPr algn="ctr"/>
+              <a:endParaRPr lang="zh-TW" altLang="en-US" dirty="0"/>
+            </a:p>
+          </p:txBody>
+        </p:sp>
+        <p:sp>
+          <p:nvSpPr>
+            <p:cNvPr id="16" name="文字方塊 15">
+              <a:extLst>
+                <a:ext uri="{FF2B5EF4-FFF2-40B4-BE49-F238E27FC236}">
+                  <a16:creationId xmlns:a16="http://schemas.microsoft.com/office/drawing/2014/main" id="{C521ED4E-AEBC-4693-94D1-15B0E8886F4C}"/>
+                </a:ext>
+              </a:extLst>
+            </p:cNvPr>
+            <p:cNvSpPr txBox="1"/>
+            <p:nvPr/>
+          </p:nvSpPr>
+          <p:spPr>
+            <a:xfrm>
+              <a:off x="3914154" y="2157008"/>
+              <a:ext cx="1341120" cy="246221"/>
+            </a:xfrm>
+            <a:prstGeom prst="rect">
+              <a:avLst/>
+            </a:prstGeom>
+            <a:noFill/>
+          </p:spPr>
+          <p:txBody>
+            <a:bodyPr wrap="square">
+              <a:spAutoFit/>
+            </a:bodyPr>
+            <a:lstStyle/>
+            <a:p>
+              <a:r>
+                <a:rPr lang="zh-TW" altLang="en-US" sz="1000" dirty="0">
+                  <a:solidFill>
+                    <a:srgbClr val="FF0000"/>
+                  </a:solidFill>
+                  <a:latin typeface="Times New Roman" panose="02020603050405020304" pitchFamily="18" charset="0"/>
+                  <a:cs typeface="Times New Roman" panose="02020603050405020304" pitchFamily="18" charset="0"/>
+                </a:rPr>
+                <a:t>ShortOverReason</a:t>
+              </a:r>
+            </a:p>
+          </p:txBody>
+        </p:sp>
+        <p:sp>
+          <p:nvSpPr>
+            <p:cNvPr id="18" name="文字方塊 17">
+              <a:extLst>
+                <a:ext uri="{FF2B5EF4-FFF2-40B4-BE49-F238E27FC236}">
+                  <a16:creationId xmlns:a16="http://schemas.microsoft.com/office/drawing/2014/main" id="{2B1686A3-0AC8-4553-8DB2-3C6662FA431E}"/>
+                </a:ext>
+              </a:extLst>
+            </p:cNvPr>
+            <p:cNvSpPr txBox="1"/>
+            <p:nvPr/>
+          </p:nvSpPr>
+          <p:spPr>
+            <a:xfrm>
+              <a:off x="4691476" y="1215251"/>
+              <a:ext cx="1050700" cy="246221"/>
+            </a:xfrm>
+            <a:prstGeom prst="rect">
+              <a:avLst/>
+            </a:prstGeom>
+            <a:noFill/>
+          </p:spPr>
+          <p:txBody>
+            <a:bodyPr wrap="square">
+              <a:spAutoFit/>
+            </a:bodyPr>
+            <a:lstStyle/>
+            <a:p>
+              <a:r>
+                <a:rPr lang="zh-TW" altLang="en-US" sz="1000" dirty="0">
+                  <a:solidFill>
+                    <a:srgbClr val="FF0000"/>
+                  </a:solidFill>
+                  <a:latin typeface="Times New Roman" panose="02020603050405020304" pitchFamily="18" charset="0"/>
+                  <a:cs typeface="Times New Roman" panose="02020603050405020304" pitchFamily="18" charset="0"/>
+                </a:rPr>
+                <a:t>ReceivedDate</a:t>
+              </a:r>
+            </a:p>
+          </p:txBody>
+        </p:sp>
+        <p:sp>
+          <p:nvSpPr>
+            <p:cNvPr id="19" name="矩形: 圓角 18">
+              <a:extLst>
+                <a:ext uri="{FF2B5EF4-FFF2-40B4-BE49-F238E27FC236}">
+                  <a16:creationId xmlns:a16="http://schemas.microsoft.com/office/drawing/2014/main" id="{1A598CF0-9C08-475A-9B06-3122FF50EF5E}"/>
+                </a:ext>
+              </a:extLst>
+            </p:cNvPr>
+            <p:cNvSpPr/>
+            <p:nvPr/>
+          </p:nvSpPr>
+          <p:spPr>
+            <a:xfrm>
+              <a:off x="4933540" y="1425575"/>
+              <a:ext cx="520157" cy="768350"/>
+            </a:xfrm>
+            <a:prstGeom prst="roundRect">
+              <a:avLst/>
+            </a:prstGeom>
+            <a:noFill/>
+            <a:ln>
+              <a:solidFill>
+                <a:srgbClr val="FF0000"/>
+              </a:solidFill>
+            </a:ln>
+          </p:spPr>
+          <p:style>
+            <a:lnRef idx="2">
+              <a:schemeClr val="accent1">
+                <a:shade val="50000"/>
+              </a:schemeClr>
+            </a:lnRef>
+            <a:fillRef idx="1">
+              <a:schemeClr val="accent1"/>
+            </a:fillRef>
+            <a:effectRef idx="0">
+              <a:schemeClr val="accent1"/>
+            </a:effectRef>
+            <a:fontRef idx="minor">
+              <a:schemeClr val="lt1"/>
+            </a:fontRef>
+          </p:style>
+          <p:txBody>
+            <a:bodyPr rtlCol="0" anchor="ctr"/>
+            <a:lstStyle/>
+            <a:p>
+              <a:pPr algn="ctr"/>
+              <a:endParaRPr lang="zh-TW" altLang="en-US" dirty="0"/>
+            </a:p>
+          </p:txBody>
+        </p:sp>
+        <p:sp>
+          <p:nvSpPr>
+            <p:cNvPr id="20" name="矩形: 圓角 19">
+              <a:extLst>
+                <a:ext uri="{FF2B5EF4-FFF2-40B4-BE49-F238E27FC236}">
+                  <a16:creationId xmlns:a16="http://schemas.microsoft.com/office/drawing/2014/main" id="{2DF64B9C-3437-45B6-88FE-03135AFD96A4}"/>
+                </a:ext>
+              </a:extLst>
+            </p:cNvPr>
+            <p:cNvSpPr/>
+            <p:nvPr/>
+          </p:nvSpPr>
+          <p:spPr>
+            <a:xfrm>
+              <a:off x="5481400" y="1427162"/>
+              <a:ext cx="724138" cy="768350"/>
+            </a:xfrm>
+            <a:prstGeom prst="roundRect">
+              <a:avLst/>
+            </a:prstGeom>
+            <a:noFill/>
+            <a:ln>
+              <a:solidFill>
+                <a:srgbClr val="FF0000"/>
+              </a:solidFill>
+            </a:ln>
+          </p:spPr>
+          <p:style>
+            <a:lnRef idx="2">
+              <a:schemeClr val="accent1">
+                <a:shade val="50000"/>
+              </a:schemeClr>
+            </a:lnRef>
+            <a:fillRef idx="1">
+              <a:schemeClr val="accent1"/>
+            </a:fillRef>
+            <a:effectRef idx="0">
+              <a:schemeClr val="accent1"/>
+            </a:effectRef>
+            <a:fontRef idx="minor">
+              <a:schemeClr val="lt1"/>
+            </a:fontRef>
+          </p:style>
+          <p:txBody>
+            <a:bodyPr rtlCol="0" anchor="ctr"/>
+            <a:lstStyle/>
+            <a:p>
+              <a:pPr algn="ctr"/>
+              <a:endParaRPr lang="zh-TW" altLang="en-US" dirty="0"/>
+            </a:p>
+          </p:txBody>
+        </p:sp>
+        <p:sp>
+          <p:nvSpPr>
+            <p:cNvPr id="21" name="文字方塊 20">
+              <a:extLst>
+                <a:ext uri="{FF2B5EF4-FFF2-40B4-BE49-F238E27FC236}">
+                  <a16:creationId xmlns:a16="http://schemas.microsoft.com/office/drawing/2014/main" id="{6085DAD0-F577-4837-94F0-4624946979B2}"/>
+                </a:ext>
+              </a:extLst>
+            </p:cNvPr>
+            <p:cNvSpPr txBox="1"/>
+            <p:nvPr/>
+          </p:nvSpPr>
+          <p:spPr>
+            <a:xfrm>
+              <a:off x="5618982" y="2146709"/>
+              <a:ext cx="520157" cy="246221"/>
+            </a:xfrm>
+            <a:prstGeom prst="rect">
+              <a:avLst/>
+            </a:prstGeom>
+            <a:noFill/>
+          </p:spPr>
+          <p:txBody>
+            <a:bodyPr wrap="square">
+              <a:spAutoFit/>
+            </a:bodyPr>
+            <a:lstStyle/>
+            <a:p>
+              <a:r>
+                <a:rPr lang="en-US" altLang="zh-TW" sz="1000" dirty="0">
+                  <a:solidFill>
+                    <a:srgbClr val="FF0000"/>
+                  </a:solidFill>
+                  <a:latin typeface="Times New Roman" panose="02020603050405020304" pitchFamily="18" charset="0"/>
+                  <a:cs typeface="Times New Roman" panose="02020603050405020304" pitchFamily="18" charset="0"/>
+                </a:rPr>
+                <a:t>Note</a:t>
+              </a:r>
+              <a:endParaRPr lang="zh-TW" altLang="en-US" sz="1000" dirty="0">
                 <a:solidFill>
                   <a:srgbClr val="FF0000"/>
                 </a:solidFill>
                 <a:latin typeface="Times New Roman" panose="02020603050405020304" pitchFamily="18" charset="0"/>
                 <a:cs typeface="Times New Roman" panose="02020603050405020304" pitchFamily="18" charset="0"/>
-              </a:rPr>
-              <a:t>BankFees</a:t>
-            </a:r>
-          </a:p>
-        </p:txBody>
-      </p:sp>
-      <p:sp>
-        <p:nvSpPr>
-          <p:cNvPr id="8" name="矩形: 圓角 7">
-            <a:extLst>
-              <a:ext uri="{FF2B5EF4-FFF2-40B4-BE49-F238E27FC236}">
-                <a16:creationId xmlns:a16="http://schemas.microsoft.com/office/drawing/2014/main" id="{1BD690C0-27D4-44B6-8E7B-23220853DCAA}"/>
-              </a:ext>
-            </a:extLst>
-          </p:cNvPr>
-          <p:cNvSpPr/>
-          <p:nvPr/>
-        </p:nvSpPr>
-        <p:spPr>
-          <a:xfrm>
-            <a:off x="2301875" y="1425575"/>
-            <a:ext cx="352425" cy="768350"/>
-          </a:xfrm>
-          <a:prstGeom prst="roundRect">
-            <a:avLst/>
-          </a:prstGeom>
-          <a:noFill/>
-          <a:ln>
-            <a:solidFill>
-              <a:srgbClr val="FF0000"/>
-            </a:solidFill>
-          </a:ln>
-        </p:spPr>
-        <p:style>
-          <a:lnRef idx="2">
-            <a:schemeClr val="accent1">
-              <a:shade val="50000"/>
-            </a:schemeClr>
-          </a:lnRef>
-          <a:fillRef idx="1">
-            <a:schemeClr val="accent1"/>
-          </a:fillRef>
-          <a:effectRef idx="0">
-            <a:schemeClr val="accent1"/>
-          </a:effectRef>
-          <a:fontRef idx="minor">
-            <a:schemeClr val="lt1"/>
-          </a:fontRef>
-        </p:style>
-        <p:txBody>
-          <a:bodyPr rtlCol="0" anchor="ctr"/>
-          <a:lstStyle/>
-          <a:p>
-            <a:pPr algn="ctr"/>
-            <a:endParaRPr lang="zh-TW" altLang="en-US"/>
-          </a:p>
-        </p:txBody>
-      </p:sp>
-      <p:sp>
-        <p:nvSpPr>
-          <p:cNvPr id="10" name="文字方塊 9">
-            <a:extLst>
-              <a:ext uri="{FF2B5EF4-FFF2-40B4-BE49-F238E27FC236}">
-                <a16:creationId xmlns:a16="http://schemas.microsoft.com/office/drawing/2014/main" id="{4182E8A7-7A52-4D4D-8F2C-862D74CEA6FF}"/>
-              </a:ext>
-            </a:extLst>
-          </p:cNvPr>
-          <p:cNvSpPr txBox="1"/>
-          <p:nvPr/>
-        </p:nvSpPr>
-        <p:spPr>
-          <a:xfrm>
-            <a:off x="2615764" y="2145020"/>
-            <a:ext cx="1265238" cy="246221"/>
-          </a:xfrm>
-          <a:prstGeom prst="rect">
-            <a:avLst/>
-          </a:prstGeom>
-          <a:noFill/>
-        </p:spPr>
-        <p:txBody>
-          <a:bodyPr wrap="square">
-            <a:spAutoFit/>
-          </a:bodyPr>
-          <a:lstStyle/>
-          <a:p>
-            <a:r>
-              <a:rPr lang="zh-TW" altLang="en-US" sz="1000" dirty="0">
+              </a:endParaRPr>
+            </a:p>
+          </p:txBody>
+        </p:sp>
+        <p:sp>
+          <p:nvSpPr>
+            <p:cNvPr id="22" name="矩形: 圓角 21">
+              <a:extLst>
+                <a:ext uri="{FF2B5EF4-FFF2-40B4-BE49-F238E27FC236}">
+                  <a16:creationId xmlns:a16="http://schemas.microsoft.com/office/drawing/2014/main" id="{B56F699D-1CC8-4B3D-88F2-8ED1E7799100}"/>
+                </a:ext>
+              </a:extLst>
+            </p:cNvPr>
+            <p:cNvSpPr/>
+            <p:nvPr/>
+          </p:nvSpPr>
+          <p:spPr>
+            <a:xfrm>
+              <a:off x="6233241" y="1425575"/>
+              <a:ext cx="524747" cy="768350"/>
+            </a:xfrm>
+            <a:prstGeom prst="roundRect">
+              <a:avLst/>
+            </a:prstGeom>
+            <a:noFill/>
+            <a:ln>
+              <a:solidFill>
+                <a:srgbClr val="FF0000"/>
+              </a:solidFill>
+            </a:ln>
+          </p:spPr>
+          <p:style>
+            <a:lnRef idx="2">
+              <a:schemeClr val="accent1">
+                <a:shade val="50000"/>
+              </a:schemeClr>
+            </a:lnRef>
+            <a:fillRef idx="1">
+              <a:schemeClr val="accent1"/>
+            </a:fillRef>
+            <a:effectRef idx="0">
+              <a:schemeClr val="accent1"/>
+            </a:effectRef>
+            <a:fontRef idx="minor">
+              <a:schemeClr val="lt1"/>
+            </a:fontRef>
+          </p:style>
+          <p:txBody>
+            <a:bodyPr rtlCol="0" anchor="ctr"/>
+            <a:lstStyle/>
+            <a:p>
+              <a:pPr algn="ctr"/>
+              <a:endParaRPr lang="zh-TW" altLang="en-US" dirty="0"/>
+            </a:p>
+          </p:txBody>
+        </p:sp>
+        <p:sp>
+          <p:nvSpPr>
+            <p:cNvPr id="23" name="文字方塊 22">
+              <a:extLst>
+                <a:ext uri="{FF2B5EF4-FFF2-40B4-BE49-F238E27FC236}">
+                  <a16:creationId xmlns:a16="http://schemas.microsoft.com/office/drawing/2014/main" id="{0683421A-EFA2-43D2-ACDE-602CBE94BD20}"/>
+                </a:ext>
+              </a:extLst>
+            </p:cNvPr>
+            <p:cNvSpPr txBox="1"/>
+            <p:nvPr/>
+          </p:nvSpPr>
+          <p:spPr>
+            <a:xfrm>
+              <a:off x="6238690" y="2146709"/>
+              <a:ext cx="605606" cy="246221"/>
+            </a:xfrm>
+            <a:prstGeom prst="rect">
+              <a:avLst/>
+            </a:prstGeom>
+            <a:noFill/>
+          </p:spPr>
+          <p:txBody>
+            <a:bodyPr wrap="square">
+              <a:spAutoFit/>
+            </a:bodyPr>
+            <a:lstStyle/>
+            <a:p>
+              <a:r>
+                <a:rPr lang="en-US" altLang="zh-TW" sz="1000" dirty="0">
+                  <a:solidFill>
+                    <a:srgbClr val="FF0000"/>
+                  </a:solidFill>
+                  <a:latin typeface="Times New Roman" panose="02020603050405020304" pitchFamily="18" charset="0"/>
+                  <a:cs typeface="Times New Roman" panose="02020603050405020304" pitchFamily="18" charset="0"/>
+                </a:rPr>
+                <a:t>Status</a:t>
+              </a:r>
+              <a:endParaRPr lang="zh-TW" altLang="en-US" sz="1000" dirty="0">
                 <a:solidFill>
                   <a:srgbClr val="FF0000"/>
                 </a:solidFill>
                 <a:latin typeface="Times New Roman" panose="02020603050405020304" pitchFamily="18" charset="0"/>
                 <a:cs typeface="Times New Roman" panose="02020603050405020304" pitchFamily="18" charset="0"/>
-              </a:rPr>
-              <a:t>ReceivedAmount</a:t>
-            </a:r>
-          </a:p>
-        </p:txBody>
-      </p:sp>
-      <p:sp>
-        <p:nvSpPr>
-          <p:cNvPr id="11" name="矩形: 圓角 10">
-            <a:extLst>
-              <a:ext uri="{FF2B5EF4-FFF2-40B4-BE49-F238E27FC236}">
-                <a16:creationId xmlns:a16="http://schemas.microsoft.com/office/drawing/2014/main" id="{900EAE3D-228F-4431-B43A-A2F4EFF4014B}"/>
-              </a:ext>
-            </a:extLst>
-          </p:cNvPr>
-          <p:cNvSpPr/>
-          <p:nvPr/>
-        </p:nvSpPr>
-        <p:spPr>
-          <a:xfrm>
-            <a:off x="2679065" y="1427162"/>
-            <a:ext cx="352425" cy="768350"/>
-          </a:xfrm>
-          <a:prstGeom prst="roundRect">
-            <a:avLst/>
-          </a:prstGeom>
-          <a:noFill/>
-          <a:ln>
-            <a:solidFill>
-              <a:srgbClr val="FF0000"/>
-            </a:solidFill>
-          </a:ln>
-        </p:spPr>
-        <p:style>
-          <a:lnRef idx="2">
-            <a:schemeClr val="accent1">
-              <a:shade val="50000"/>
-            </a:schemeClr>
-          </a:lnRef>
-          <a:fillRef idx="1">
-            <a:schemeClr val="accent1"/>
-          </a:fillRef>
-          <a:effectRef idx="0">
-            <a:schemeClr val="accent1"/>
-          </a:effectRef>
-          <a:fontRef idx="minor">
-            <a:schemeClr val="lt1"/>
-          </a:fontRef>
-        </p:style>
-        <p:txBody>
-          <a:bodyPr rtlCol="0" anchor="ctr"/>
-          <a:lstStyle/>
-          <a:p>
-            <a:pPr algn="ctr"/>
-            <a:endParaRPr lang="zh-TW" altLang="en-US" dirty="0"/>
-          </a:p>
-        </p:txBody>
-      </p:sp>
-      <p:sp>
-        <p:nvSpPr>
-          <p:cNvPr id="14" name="矩形: 圓角 13">
-            <a:extLst>
-              <a:ext uri="{FF2B5EF4-FFF2-40B4-BE49-F238E27FC236}">
-                <a16:creationId xmlns:a16="http://schemas.microsoft.com/office/drawing/2014/main" id="{0100708D-BB18-4927-806F-7BE9741535D5}"/>
-              </a:ext>
-            </a:extLst>
-          </p:cNvPr>
-          <p:cNvSpPr/>
-          <p:nvPr/>
-        </p:nvSpPr>
-        <p:spPr>
-          <a:xfrm>
-            <a:off x="4112577" y="1425575"/>
-            <a:ext cx="807086" cy="768350"/>
-          </a:xfrm>
-          <a:prstGeom prst="roundRect">
-            <a:avLst/>
-          </a:prstGeom>
-          <a:noFill/>
-          <a:ln>
-            <a:solidFill>
-              <a:srgbClr val="FF0000"/>
-            </a:solidFill>
-          </a:ln>
-        </p:spPr>
-        <p:style>
-          <a:lnRef idx="2">
-            <a:schemeClr val="accent1">
-              <a:shade val="50000"/>
-            </a:schemeClr>
-          </a:lnRef>
-          <a:fillRef idx="1">
-            <a:schemeClr val="accent1"/>
-          </a:fillRef>
-          <a:effectRef idx="0">
-            <a:schemeClr val="accent1"/>
-          </a:effectRef>
-          <a:fontRef idx="minor">
-            <a:schemeClr val="lt1"/>
-          </a:fontRef>
-        </p:style>
-        <p:txBody>
-          <a:bodyPr rtlCol="0" anchor="ctr"/>
-          <a:lstStyle/>
-          <a:p>
-            <a:pPr algn="ctr"/>
-            <a:endParaRPr lang="zh-TW" altLang="en-US" dirty="0"/>
-          </a:p>
-        </p:txBody>
-      </p:sp>
-      <p:sp>
-        <p:nvSpPr>
-          <p:cNvPr id="16" name="文字方塊 15">
-            <a:extLst>
-              <a:ext uri="{FF2B5EF4-FFF2-40B4-BE49-F238E27FC236}">
-                <a16:creationId xmlns:a16="http://schemas.microsoft.com/office/drawing/2014/main" id="{C521ED4E-AEBC-4693-94D1-15B0E8886F4C}"/>
-              </a:ext>
-            </a:extLst>
-          </p:cNvPr>
-          <p:cNvSpPr txBox="1"/>
-          <p:nvPr/>
-        </p:nvSpPr>
-        <p:spPr>
-          <a:xfrm>
-            <a:off x="3914154" y="2157008"/>
-            <a:ext cx="1341120" cy="246221"/>
-          </a:xfrm>
-          <a:prstGeom prst="rect">
-            <a:avLst/>
-          </a:prstGeom>
-          <a:noFill/>
-        </p:spPr>
-        <p:txBody>
-          <a:bodyPr wrap="square">
-            <a:spAutoFit/>
-          </a:bodyPr>
-          <a:lstStyle/>
-          <a:p>
-            <a:r>
-              <a:rPr lang="zh-TW" altLang="en-US" sz="1000" dirty="0">
+              </a:endParaRPr>
+            </a:p>
+          </p:txBody>
+        </p:sp>
+        <p:sp>
+          <p:nvSpPr>
+            <p:cNvPr id="15" name="矩形: 圓角 14">
+              <a:extLst>
+                <a:ext uri="{FF2B5EF4-FFF2-40B4-BE49-F238E27FC236}">
+                  <a16:creationId xmlns:a16="http://schemas.microsoft.com/office/drawing/2014/main" id="{20C5DF75-E49D-4F4D-89F4-EB83893C9EA0}"/>
+                </a:ext>
+              </a:extLst>
+            </p:cNvPr>
+            <p:cNvSpPr/>
+            <p:nvPr/>
+          </p:nvSpPr>
+          <p:spPr>
+            <a:xfrm>
+              <a:off x="3272279" y="1425575"/>
+              <a:ext cx="352425" cy="768350"/>
+            </a:xfrm>
+            <a:prstGeom prst="roundRect">
+              <a:avLst/>
+            </a:prstGeom>
+            <a:noFill/>
+            <a:ln>
+              <a:solidFill>
+                <a:srgbClr val="FF0000"/>
+              </a:solidFill>
+            </a:ln>
+          </p:spPr>
+          <p:style>
+            <a:lnRef idx="2">
+              <a:schemeClr val="accent1">
+                <a:shade val="50000"/>
+              </a:schemeClr>
+            </a:lnRef>
+            <a:fillRef idx="1">
+              <a:schemeClr val="accent1"/>
+            </a:fillRef>
+            <a:effectRef idx="0">
+              <a:schemeClr val="accent1"/>
+            </a:effectRef>
+            <a:fontRef idx="minor">
+              <a:schemeClr val="lt1"/>
+            </a:fontRef>
+          </p:style>
+          <p:txBody>
+            <a:bodyPr rtlCol="0" anchor="ctr"/>
+            <a:lstStyle/>
+            <a:p>
+              <a:pPr algn="ctr"/>
+              <a:endParaRPr lang="zh-TW" altLang="en-US" dirty="0"/>
+            </a:p>
+          </p:txBody>
+        </p:sp>
+        <p:sp>
+          <p:nvSpPr>
+            <p:cNvPr id="17" name="文字方塊 16">
+              <a:extLst>
+                <a:ext uri="{FF2B5EF4-FFF2-40B4-BE49-F238E27FC236}">
+                  <a16:creationId xmlns:a16="http://schemas.microsoft.com/office/drawing/2014/main" id="{25D2BDCC-9154-49AE-83D5-27803F5B658A}"/>
+                </a:ext>
+              </a:extLst>
+            </p:cNvPr>
+            <p:cNvSpPr txBox="1"/>
+            <p:nvPr/>
+          </p:nvSpPr>
+          <p:spPr>
+            <a:xfrm>
+              <a:off x="3190817" y="1219548"/>
+              <a:ext cx="861389" cy="246221"/>
+            </a:xfrm>
+            <a:prstGeom prst="rect">
+              <a:avLst/>
+            </a:prstGeom>
+            <a:noFill/>
+          </p:spPr>
+          <p:txBody>
+            <a:bodyPr wrap="square">
+              <a:spAutoFit/>
+            </a:bodyPr>
+            <a:lstStyle/>
+            <a:p>
+              <a:r>
+                <a:rPr lang="en-US" altLang="zh-TW" sz="1000" dirty="0" err="1">
+                  <a:solidFill>
+                    <a:srgbClr val="FF0000"/>
+                  </a:solidFill>
+                  <a:latin typeface="Times New Roman" panose="02020603050405020304" pitchFamily="18" charset="0"/>
+                  <a:cs typeface="Times New Roman" panose="02020603050405020304" pitchFamily="18" charset="0"/>
+                </a:rPr>
+                <a:t>OverAmount</a:t>
+              </a:r>
+              <a:endParaRPr lang="zh-TW" altLang="en-US" sz="1000" dirty="0">
                 <a:solidFill>
                   <a:srgbClr val="FF0000"/>
                 </a:solidFill>
                 <a:latin typeface="Times New Roman" panose="02020603050405020304" pitchFamily="18" charset="0"/>
                 <a:cs typeface="Times New Roman" panose="02020603050405020304" pitchFamily="18" charset="0"/>
-              </a:rPr>
-              <a:t>ShortOverReason</a:t>
-            </a:r>
-          </a:p>
-        </p:txBody>
-      </p:sp>
-      <p:sp>
-        <p:nvSpPr>
-          <p:cNvPr id="18" name="文字方塊 17">
-            <a:extLst>
-              <a:ext uri="{FF2B5EF4-FFF2-40B4-BE49-F238E27FC236}">
-                <a16:creationId xmlns:a16="http://schemas.microsoft.com/office/drawing/2014/main" id="{2B1686A3-0AC8-4553-8DB2-3C6662FA431E}"/>
-              </a:ext>
-            </a:extLst>
-          </p:cNvPr>
-          <p:cNvSpPr txBox="1"/>
-          <p:nvPr/>
-        </p:nvSpPr>
-        <p:spPr>
-          <a:xfrm>
-            <a:off x="4691476" y="1215251"/>
-            <a:ext cx="1050700" cy="246221"/>
-          </a:xfrm>
-          <a:prstGeom prst="rect">
-            <a:avLst/>
-          </a:prstGeom>
-          <a:noFill/>
-        </p:spPr>
-        <p:txBody>
-          <a:bodyPr wrap="square">
-            <a:spAutoFit/>
-          </a:bodyPr>
-          <a:lstStyle/>
-          <a:p>
-            <a:r>
-              <a:rPr lang="zh-TW" altLang="en-US" sz="1000" dirty="0">
-                <a:solidFill>
-                  <a:srgbClr val="FF0000"/>
-                </a:solidFill>
-                <a:latin typeface="Times New Roman" panose="02020603050405020304" pitchFamily="18" charset="0"/>
-                <a:cs typeface="Times New Roman" panose="02020603050405020304" pitchFamily="18" charset="0"/>
-              </a:rPr>
-              <a:t>ReceivedDate</a:t>
-            </a:r>
-          </a:p>
-        </p:txBody>
-      </p:sp>
-      <p:sp>
-        <p:nvSpPr>
-          <p:cNvPr id="19" name="矩形: 圓角 18">
-            <a:extLst>
-              <a:ext uri="{FF2B5EF4-FFF2-40B4-BE49-F238E27FC236}">
-                <a16:creationId xmlns:a16="http://schemas.microsoft.com/office/drawing/2014/main" id="{1A598CF0-9C08-475A-9B06-3122FF50EF5E}"/>
-              </a:ext>
-            </a:extLst>
-          </p:cNvPr>
-          <p:cNvSpPr/>
-          <p:nvPr/>
-        </p:nvSpPr>
-        <p:spPr>
-          <a:xfrm>
-            <a:off x="4933540" y="1425575"/>
-            <a:ext cx="520157" cy="768350"/>
-          </a:xfrm>
-          <a:prstGeom prst="roundRect">
-            <a:avLst/>
-          </a:prstGeom>
-          <a:noFill/>
-          <a:ln>
-            <a:solidFill>
-              <a:srgbClr val="FF0000"/>
-            </a:solidFill>
-          </a:ln>
-        </p:spPr>
-        <p:style>
-          <a:lnRef idx="2">
-            <a:schemeClr val="accent1">
-              <a:shade val="50000"/>
-            </a:schemeClr>
-          </a:lnRef>
-          <a:fillRef idx="1">
-            <a:schemeClr val="accent1"/>
-          </a:fillRef>
-          <a:effectRef idx="0">
-            <a:schemeClr val="accent1"/>
-          </a:effectRef>
-          <a:fontRef idx="minor">
-            <a:schemeClr val="lt1"/>
-          </a:fontRef>
-        </p:style>
-        <p:txBody>
-          <a:bodyPr rtlCol="0" anchor="ctr"/>
-          <a:lstStyle/>
-          <a:p>
-            <a:pPr algn="ctr"/>
-            <a:endParaRPr lang="zh-TW" altLang="en-US" dirty="0"/>
-          </a:p>
-        </p:txBody>
-      </p:sp>
-      <p:sp>
-        <p:nvSpPr>
-          <p:cNvPr id="20" name="矩形: 圓角 19">
-            <a:extLst>
-              <a:ext uri="{FF2B5EF4-FFF2-40B4-BE49-F238E27FC236}">
-                <a16:creationId xmlns:a16="http://schemas.microsoft.com/office/drawing/2014/main" id="{2DF64B9C-3437-45B6-88FE-03135AFD96A4}"/>
-              </a:ext>
-            </a:extLst>
-          </p:cNvPr>
-          <p:cNvSpPr/>
-          <p:nvPr/>
-        </p:nvSpPr>
-        <p:spPr>
-          <a:xfrm>
-            <a:off x="5481400" y="1427162"/>
-            <a:ext cx="724138" cy="768350"/>
-          </a:xfrm>
-          <a:prstGeom prst="roundRect">
-            <a:avLst/>
-          </a:prstGeom>
-          <a:noFill/>
-          <a:ln>
-            <a:solidFill>
-              <a:srgbClr val="FF0000"/>
-            </a:solidFill>
-          </a:ln>
-        </p:spPr>
-        <p:style>
-          <a:lnRef idx="2">
-            <a:schemeClr val="accent1">
-              <a:shade val="50000"/>
-            </a:schemeClr>
-          </a:lnRef>
-          <a:fillRef idx="1">
-            <a:schemeClr val="accent1"/>
-          </a:fillRef>
-          <a:effectRef idx="0">
-            <a:schemeClr val="accent1"/>
-          </a:effectRef>
-          <a:fontRef idx="minor">
-            <a:schemeClr val="lt1"/>
-          </a:fontRef>
-        </p:style>
-        <p:txBody>
-          <a:bodyPr rtlCol="0" anchor="ctr"/>
-          <a:lstStyle/>
-          <a:p>
-            <a:pPr algn="ctr"/>
-            <a:endParaRPr lang="zh-TW" altLang="en-US" dirty="0"/>
-          </a:p>
-        </p:txBody>
-      </p:sp>
-      <p:sp>
-        <p:nvSpPr>
-          <p:cNvPr id="21" name="文字方塊 20">
-            <a:extLst>
-              <a:ext uri="{FF2B5EF4-FFF2-40B4-BE49-F238E27FC236}">
-                <a16:creationId xmlns:a16="http://schemas.microsoft.com/office/drawing/2014/main" id="{6085DAD0-F577-4837-94F0-4624946979B2}"/>
-              </a:ext>
-            </a:extLst>
-          </p:cNvPr>
-          <p:cNvSpPr txBox="1"/>
-          <p:nvPr/>
-        </p:nvSpPr>
-        <p:spPr>
-          <a:xfrm>
-            <a:off x="5618982" y="2146709"/>
-            <a:ext cx="520157" cy="246221"/>
-          </a:xfrm>
-          <a:prstGeom prst="rect">
-            <a:avLst/>
-          </a:prstGeom>
-          <a:noFill/>
-        </p:spPr>
-        <p:txBody>
-          <a:bodyPr wrap="square">
-            <a:spAutoFit/>
-          </a:bodyPr>
-          <a:lstStyle/>
-          <a:p>
-            <a:r>
-              <a:rPr lang="en-US" altLang="zh-TW" sz="1000" dirty="0">
-                <a:solidFill>
-                  <a:srgbClr val="FF0000"/>
-                </a:solidFill>
-                <a:latin typeface="Times New Roman" panose="02020603050405020304" pitchFamily="18" charset="0"/>
-                <a:cs typeface="Times New Roman" panose="02020603050405020304" pitchFamily="18" charset="0"/>
-              </a:rPr>
-              <a:t>Note</a:t>
-            </a:r>
-            <a:endParaRPr lang="zh-TW" altLang="en-US" sz="1000" dirty="0">
-              <a:solidFill>
-                <a:srgbClr val="FF0000"/>
-              </a:solidFill>
-              <a:latin typeface="Times New Roman" panose="02020603050405020304" pitchFamily="18" charset="0"/>
-              <a:cs typeface="Times New Roman" panose="02020603050405020304" pitchFamily="18" charset="0"/>
-            </a:endParaRPr>
-          </a:p>
-        </p:txBody>
-      </p:sp>
-      <p:sp>
-        <p:nvSpPr>
-          <p:cNvPr id="22" name="矩形: 圓角 21">
-            <a:extLst>
-              <a:ext uri="{FF2B5EF4-FFF2-40B4-BE49-F238E27FC236}">
-                <a16:creationId xmlns:a16="http://schemas.microsoft.com/office/drawing/2014/main" id="{B56F699D-1CC8-4B3D-88F2-8ED1E7799100}"/>
-              </a:ext>
-            </a:extLst>
-          </p:cNvPr>
-          <p:cNvSpPr/>
-          <p:nvPr/>
-        </p:nvSpPr>
-        <p:spPr>
-          <a:xfrm>
-            <a:off x="6233241" y="1425575"/>
-            <a:ext cx="524747" cy="768350"/>
-          </a:xfrm>
-          <a:prstGeom prst="roundRect">
-            <a:avLst/>
-          </a:prstGeom>
-          <a:noFill/>
-          <a:ln>
-            <a:solidFill>
-              <a:srgbClr val="FF0000"/>
-            </a:solidFill>
-          </a:ln>
-        </p:spPr>
-        <p:style>
-          <a:lnRef idx="2">
-            <a:schemeClr val="accent1">
-              <a:shade val="50000"/>
-            </a:schemeClr>
-          </a:lnRef>
-          <a:fillRef idx="1">
-            <a:schemeClr val="accent1"/>
-          </a:fillRef>
-          <a:effectRef idx="0">
-            <a:schemeClr val="accent1"/>
-          </a:effectRef>
-          <a:fontRef idx="minor">
-            <a:schemeClr val="lt1"/>
-          </a:fontRef>
-        </p:style>
-        <p:txBody>
-          <a:bodyPr rtlCol="0" anchor="ctr"/>
-          <a:lstStyle/>
-          <a:p>
-            <a:pPr algn="ctr"/>
-            <a:endParaRPr lang="zh-TW" altLang="en-US" dirty="0"/>
-          </a:p>
-        </p:txBody>
-      </p:sp>
-      <p:sp>
-        <p:nvSpPr>
-          <p:cNvPr id="23" name="文字方塊 22">
-            <a:extLst>
-              <a:ext uri="{FF2B5EF4-FFF2-40B4-BE49-F238E27FC236}">
-                <a16:creationId xmlns:a16="http://schemas.microsoft.com/office/drawing/2014/main" id="{0683421A-EFA2-43D2-ACDE-602CBE94BD20}"/>
-              </a:ext>
-            </a:extLst>
-          </p:cNvPr>
-          <p:cNvSpPr txBox="1"/>
-          <p:nvPr/>
-        </p:nvSpPr>
-        <p:spPr>
-          <a:xfrm>
-            <a:off x="6238690" y="2146709"/>
-            <a:ext cx="605606" cy="246221"/>
-          </a:xfrm>
-          <a:prstGeom prst="rect">
-            <a:avLst/>
-          </a:prstGeom>
-          <a:noFill/>
-        </p:spPr>
-        <p:txBody>
-          <a:bodyPr wrap="square">
-            <a:spAutoFit/>
-          </a:bodyPr>
-          <a:lstStyle/>
-          <a:p>
-            <a:r>
-              <a:rPr lang="en-US" altLang="zh-TW" sz="1000" dirty="0">
-                <a:solidFill>
-                  <a:srgbClr val="FF0000"/>
-                </a:solidFill>
-                <a:latin typeface="Times New Roman" panose="02020603050405020304" pitchFamily="18" charset="0"/>
-                <a:cs typeface="Times New Roman" panose="02020603050405020304" pitchFamily="18" charset="0"/>
-              </a:rPr>
-              <a:t>Status</a:t>
-            </a:r>
-            <a:endParaRPr lang="zh-TW" altLang="en-US" sz="1000" dirty="0">
-              <a:solidFill>
-                <a:srgbClr val="FF0000"/>
-              </a:solidFill>
-              <a:latin typeface="Times New Roman" panose="02020603050405020304" pitchFamily="18" charset="0"/>
-              <a:cs typeface="Times New Roman" panose="02020603050405020304" pitchFamily="18" charset="0"/>
-            </a:endParaRPr>
-          </a:p>
-        </p:txBody>
-      </p:sp>
-      <p:sp>
-        <p:nvSpPr>
-          <p:cNvPr id="15" name="矩形: 圓角 14">
-            <a:extLst>
-              <a:ext uri="{FF2B5EF4-FFF2-40B4-BE49-F238E27FC236}">
-                <a16:creationId xmlns:a16="http://schemas.microsoft.com/office/drawing/2014/main" id="{20C5DF75-E49D-4F4D-89F4-EB83893C9EA0}"/>
-              </a:ext>
-            </a:extLst>
-          </p:cNvPr>
-          <p:cNvSpPr/>
-          <p:nvPr/>
-        </p:nvSpPr>
-        <p:spPr>
-          <a:xfrm>
-            <a:off x="3272279" y="1425575"/>
-            <a:ext cx="352425" cy="768350"/>
-          </a:xfrm>
-          <a:prstGeom prst="roundRect">
-            <a:avLst/>
-          </a:prstGeom>
-          <a:noFill/>
-          <a:ln>
-            <a:solidFill>
-              <a:srgbClr val="FF0000"/>
-            </a:solidFill>
-          </a:ln>
-        </p:spPr>
-        <p:style>
-          <a:lnRef idx="2">
-            <a:schemeClr val="accent1">
-              <a:shade val="50000"/>
-            </a:schemeClr>
-          </a:lnRef>
-          <a:fillRef idx="1">
-            <a:schemeClr val="accent1"/>
-          </a:fillRef>
-          <a:effectRef idx="0">
-            <a:schemeClr val="accent1"/>
-          </a:effectRef>
-          <a:fontRef idx="minor">
-            <a:schemeClr val="lt1"/>
-          </a:fontRef>
-        </p:style>
-        <p:txBody>
-          <a:bodyPr rtlCol="0" anchor="ctr"/>
-          <a:lstStyle/>
-          <a:p>
-            <a:pPr algn="ctr"/>
-            <a:endParaRPr lang="zh-TW" altLang="en-US" dirty="0"/>
-          </a:p>
-        </p:txBody>
-      </p:sp>
-      <p:sp>
-        <p:nvSpPr>
-          <p:cNvPr id="17" name="文字方塊 16">
-            <a:extLst>
-              <a:ext uri="{FF2B5EF4-FFF2-40B4-BE49-F238E27FC236}">
-                <a16:creationId xmlns:a16="http://schemas.microsoft.com/office/drawing/2014/main" id="{25D2BDCC-9154-49AE-83D5-27803F5B658A}"/>
-              </a:ext>
-            </a:extLst>
-          </p:cNvPr>
-          <p:cNvSpPr txBox="1"/>
-          <p:nvPr/>
-        </p:nvSpPr>
-        <p:spPr>
-          <a:xfrm>
-            <a:off x="3190817" y="1219548"/>
-            <a:ext cx="861389" cy="246221"/>
-          </a:xfrm>
-          <a:prstGeom prst="rect">
-            <a:avLst/>
-          </a:prstGeom>
-          <a:noFill/>
-        </p:spPr>
-        <p:txBody>
-          <a:bodyPr wrap="square">
-            <a:spAutoFit/>
-          </a:bodyPr>
-          <a:lstStyle/>
-          <a:p>
-            <a:r>
-              <a:rPr lang="en-US" altLang="zh-TW" sz="1000" dirty="0" err="1">
-                <a:solidFill>
-                  <a:srgbClr val="FF0000"/>
-                </a:solidFill>
-                <a:latin typeface="Times New Roman" panose="02020603050405020304" pitchFamily="18" charset="0"/>
-                <a:cs typeface="Times New Roman" panose="02020603050405020304" pitchFamily="18" charset="0"/>
-              </a:rPr>
-              <a:t>OverAmount</a:t>
-            </a:r>
-            <a:endParaRPr lang="zh-TW" altLang="en-US" sz="1000" dirty="0">
-              <a:solidFill>
-                <a:srgbClr val="FF0000"/>
-              </a:solidFill>
-              <a:latin typeface="Times New Roman" panose="02020603050405020304" pitchFamily="18" charset="0"/>
-              <a:cs typeface="Times New Roman" panose="02020603050405020304" pitchFamily="18" charset="0"/>
-            </a:endParaRPr>
-          </a:p>
-        </p:txBody>
-      </p:sp>
+              </a:endParaRPr>
+            </a:p>
+          </p:txBody>
+        </p:sp>
+      </p:grpSp>
     </p:spTree>
     <p:extLst>
       <p:ext uri="{BB962C8B-B14F-4D97-AF65-F5344CB8AC3E}">
